--- a/KosmosV4System/doc/pictures/V4_Batterie/CablageCaissonBatterie.pptx
+++ b/KosmosV4System/doc/pictures/V4_Batterie/CablageCaissonBatterie.pptx
@@ -260,7 +260,7 @@
           <a:p>
             <a:fld id="{CBE28E84-A7D2-4159-A0E1-378114FD4EAF}" type="datetimeFigureOut">
               <a:rPr lang="fr-FR" smtClean="0"/>
-              <a:t>12/01/2026</a:t>
+              <a:t>22/01/2026</a:t>
             </a:fld>
             <a:endParaRPr lang="fr-FR"/>
           </a:p>
@@ -458,7 +458,7 @@
           <a:p>
             <a:fld id="{CBE28E84-A7D2-4159-A0E1-378114FD4EAF}" type="datetimeFigureOut">
               <a:rPr lang="fr-FR" smtClean="0"/>
-              <a:t>12/01/2026</a:t>
+              <a:t>22/01/2026</a:t>
             </a:fld>
             <a:endParaRPr lang="fr-FR"/>
           </a:p>
@@ -666,7 +666,7 @@
           <a:p>
             <a:fld id="{CBE28E84-A7D2-4159-A0E1-378114FD4EAF}" type="datetimeFigureOut">
               <a:rPr lang="fr-FR" smtClean="0"/>
-              <a:t>12/01/2026</a:t>
+              <a:t>22/01/2026</a:t>
             </a:fld>
             <a:endParaRPr lang="fr-FR"/>
           </a:p>
@@ -864,7 +864,7 @@
           <a:p>
             <a:fld id="{CBE28E84-A7D2-4159-A0E1-378114FD4EAF}" type="datetimeFigureOut">
               <a:rPr lang="fr-FR" smtClean="0"/>
-              <a:t>12/01/2026</a:t>
+              <a:t>22/01/2026</a:t>
             </a:fld>
             <a:endParaRPr lang="fr-FR"/>
           </a:p>
@@ -1139,7 +1139,7 @@
           <a:p>
             <a:fld id="{CBE28E84-A7D2-4159-A0E1-378114FD4EAF}" type="datetimeFigureOut">
               <a:rPr lang="fr-FR" smtClean="0"/>
-              <a:t>12/01/2026</a:t>
+              <a:t>22/01/2026</a:t>
             </a:fld>
             <a:endParaRPr lang="fr-FR"/>
           </a:p>
@@ -1404,7 +1404,7 @@
           <a:p>
             <a:fld id="{CBE28E84-A7D2-4159-A0E1-378114FD4EAF}" type="datetimeFigureOut">
               <a:rPr lang="fr-FR" smtClean="0"/>
-              <a:t>12/01/2026</a:t>
+              <a:t>22/01/2026</a:t>
             </a:fld>
             <a:endParaRPr lang="fr-FR"/>
           </a:p>
@@ -1816,7 +1816,7 @@
           <a:p>
             <a:fld id="{CBE28E84-A7D2-4159-A0E1-378114FD4EAF}" type="datetimeFigureOut">
               <a:rPr lang="fr-FR" smtClean="0"/>
-              <a:t>12/01/2026</a:t>
+              <a:t>22/01/2026</a:t>
             </a:fld>
             <a:endParaRPr lang="fr-FR"/>
           </a:p>
@@ -1957,7 +1957,7 @@
           <a:p>
             <a:fld id="{CBE28E84-A7D2-4159-A0E1-378114FD4EAF}" type="datetimeFigureOut">
               <a:rPr lang="fr-FR" smtClean="0"/>
-              <a:t>12/01/2026</a:t>
+              <a:t>22/01/2026</a:t>
             </a:fld>
             <a:endParaRPr lang="fr-FR"/>
           </a:p>
@@ -2070,7 +2070,7 @@
           <a:p>
             <a:fld id="{CBE28E84-A7D2-4159-A0E1-378114FD4EAF}" type="datetimeFigureOut">
               <a:rPr lang="fr-FR" smtClean="0"/>
-              <a:t>12/01/2026</a:t>
+              <a:t>22/01/2026</a:t>
             </a:fld>
             <a:endParaRPr lang="fr-FR"/>
           </a:p>
@@ -2381,7 +2381,7 @@
           <a:p>
             <a:fld id="{CBE28E84-A7D2-4159-A0E1-378114FD4EAF}" type="datetimeFigureOut">
               <a:rPr lang="fr-FR" smtClean="0"/>
-              <a:t>12/01/2026</a:t>
+              <a:t>22/01/2026</a:t>
             </a:fld>
             <a:endParaRPr lang="fr-FR"/>
           </a:p>
@@ -2669,7 +2669,7 @@
           <a:p>
             <a:fld id="{CBE28E84-A7D2-4159-A0E1-378114FD4EAF}" type="datetimeFigureOut">
               <a:rPr lang="fr-FR" smtClean="0"/>
-              <a:t>12/01/2026</a:t>
+              <a:t>22/01/2026</a:t>
             </a:fld>
             <a:endParaRPr lang="fr-FR"/>
           </a:p>
@@ -2910,7 +2910,7 @@
           <a:p>
             <a:fld id="{CBE28E84-A7D2-4159-A0E1-378114FD4EAF}" type="datetimeFigureOut">
               <a:rPr lang="fr-FR" smtClean="0"/>
-              <a:t>12/01/2026</a:t>
+              <a:t>22/01/2026</a:t>
             </a:fld>
             <a:endParaRPr lang="fr-FR"/>
           </a:p>
@@ -4099,7 +4099,7 @@
         <p:spPr>
           <a:xfrm flipH="1">
             <a:off x="1343660" y="3045116"/>
-            <a:ext cx="2621280" cy="0"/>
+            <a:ext cx="1452806" cy="0"/>
           </a:xfrm>
           <a:prstGeom prst="line">
             <a:avLst/>
@@ -5550,7 +5550,7 @@
         </p:nvSpPr>
         <p:spPr>
           <a:xfrm>
-            <a:off x="1678940" y="5700247"/>
+            <a:off x="1678940" y="5913607"/>
             <a:ext cx="2588081" cy="369332"/>
           </a:xfrm>
           <a:prstGeom prst="rect">
@@ -5585,7 +5585,7 @@
         </p:nvSpPr>
         <p:spPr>
           <a:xfrm>
-            <a:off x="5141349" y="5668209"/>
+            <a:off x="5141349" y="5881569"/>
             <a:ext cx="1703543" cy="369332"/>
           </a:xfrm>
           <a:prstGeom prst="rect">
@@ -5620,7 +5620,7 @@
         </p:nvSpPr>
         <p:spPr>
           <a:xfrm>
-            <a:off x="6551554" y="4941779"/>
+            <a:off x="2347100" y="1037673"/>
             <a:ext cx="1167307" cy="261610"/>
           </a:xfrm>
           <a:prstGeom prst="rect">
@@ -5919,7 +5919,7 @@
         </p:blipFill>
         <p:spPr>
           <a:xfrm>
-            <a:off x="2552700" y="6081279"/>
+            <a:off x="2552700" y="6294639"/>
             <a:ext cx="1134081" cy="284959"/>
           </a:xfrm>
           <a:prstGeom prst="rect">
@@ -5949,7 +5949,7 @@
         </p:blipFill>
         <p:spPr>
           <a:xfrm>
-            <a:off x="5993120" y="6146991"/>
+            <a:off x="5993120" y="6360351"/>
             <a:ext cx="1095361" cy="233529"/>
           </a:xfrm>
           <a:prstGeom prst="rect">
@@ -5971,7 +5971,7 @@
         </p:nvSpPr>
         <p:spPr>
           <a:xfrm>
-            <a:off x="73918" y="4854426"/>
+            <a:off x="8900160" y="6021329"/>
             <a:ext cx="2402261" cy="523220"/>
           </a:xfrm>
           <a:prstGeom prst="rect">
@@ -5988,6 +5988,420 @@
             <a:r>
               <a:rPr lang="fr-FR" sz="2800" dirty="0"/>
               <a:t>KOSMOS mono</a:t>
+            </a:r>
+          </a:p>
+        </p:txBody>
+      </p:sp>
+      <p:cxnSp>
+        <p:nvCxnSpPr>
+          <p:cNvPr id="63" name="Connecteur droit 62">
+            <a:extLst>
+              <a:ext uri="{FF2B5EF4-FFF2-40B4-BE49-F238E27FC236}">
+                <a16:creationId xmlns:a16="http://schemas.microsoft.com/office/drawing/2014/main" id="{5BEF8ADB-7001-4959-9C66-88982E10E679}"/>
+              </a:ext>
+            </a:extLst>
+          </p:cNvPr>
+          <p:cNvCxnSpPr>
+            <a:cxnSpLocks/>
+          </p:cNvCxnSpPr>
+          <p:nvPr/>
+        </p:nvCxnSpPr>
+        <p:spPr>
+          <a:xfrm flipH="1" flipV="1">
+            <a:off x="2989504" y="3045116"/>
+            <a:ext cx="971740" cy="1"/>
+          </a:xfrm>
+          <a:prstGeom prst="line">
+            <a:avLst/>
+          </a:prstGeom>
+          <a:ln w="57150">
+            <a:solidFill>
+              <a:schemeClr val="tx1"/>
+            </a:solidFill>
+          </a:ln>
+        </p:spPr>
+        <p:style>
+          <a:lnRef idx="1">
+            <a:schemeClr val="accent1"/>
+          </a:lnRef>
+          <a:fillRef idx="0">
+            <a:schemeClr val="accent1"/>
+          </a:fillRef>
+          <a:effectRef idx="0">
+            <a:schemeClr val="accent1"/>
+          </a:effectRef>
+          <a:fontRef idx="minor">
+            <a:schemeClr val="tx1"/>
+          </a:fontRef>
+        </p:style>
+      </p:cxnSp>
+      <p:pic>
+        <p:nvPicPr>
+          <p:cNvPr id="67" name="Image 66">
+            <a:extLst>
+              <a:ext uri="{FF2B5EF4-FFF2-40B4-BE49-F238E27FC236}">
+                <a16:creationId xmlns:a16="http://schemas.microsoft.com/office/drawing/2014/main" id="{ED1E8921-0C15-48B2-901D-E831EC5E1255}"/>
+              </a:ext>
+            </a:extLst>
+          </p:cNvPr>
+          <p:cNvPicPr>
+            <a:picLocks noChangeAspect="1"/>
+          </p:cNvPicPr>
+          <p:nvPr/>
+        </p:nvPicPr>
+        <p:blipFill rotWithShape="1">
+          <a:blip r:embed="rId2"/>
+          <a:srcRect l="1" t="30091" r="998" b="37435"/>
+          <a:stretch/>
+        </p:blipFill>
+        <p:spPr>
+          <a:xfrm rot="16200000">
+            <a:off x="2383673" y="2293215"/>
+            <a:ext cx="748422" cy="223720"/>
+          </a:xfrm>
+          <a:prstGeom prst="rect">
+            <a:avLst/>
+          </a:prstGeom>
+        </p:spPr>
+      </p:pic>
+      <p:cxnSp>
+        <p:nvCxnSpPr>
+          <p:cNvPr id="65" name="Connecteur droit 64">
+            <a:extLst>
+              <a:ext uri="{FF2B5EF4-FFF2-40B4-BE49-F238E27FC236}">
+                <a16:creationId xmlns:a16="http://schemas.microsoft.com/office/drawing/2014/main" id="{64BA7266-ACA3-44CE-80CC-73338D2685D9}"/>
+              </a:ext>
+            </a:extLst>
+          </p:cNvPr>
+          <p:cNvCxnSpPr>
+            <a:cxnSpLocks/>
+          </p:cNvCxnSpPr>
+          <p:nvPr/>
+        </p:nvCxnSpPr>
+        <p:spPr>
+          <a:xfrm>
+            <a:off x="2769832" y="2669043"/>
+            <a:ext cx="0" cy="393829"/>
+          </a:xfrm>
+          <a:prstGeom prst="line">
+            <a:avLst/>
+          </a:prstGeom>
+          <a:ln w="57150">
+            <a:solidFill>
+              <a:schemeClr val="tx1"/>
+            </a:solidFill>
+          </a:ln>
+        </p:spPr>
+        <p:style>
+          <a:lnRef idx="1">
+            <a:schemeClr val="accent1"/>
+          </a:lnRef>
+          <a:fillRef idx="0">
+            <a:schemeClr val="accent1"/>
+          </a:fillRef>
+          <a:effectRef idx="0">
+            <a:schemeClr val="accent1"/>
+          </a:effectRef>
+          <a:fontRef idx="minor">
+            <a:schemeClr val="tx1"/>
+          </a:fontRef>
+        </p:style>
+      </p:cxnSp>
+      <p:pic>
+        <p:nvPicPr>
+          <p:cNvPr id="69" name="Image 68">
+            <a:extLst>
+              <a:ext uri="{FF2B5EF4-FFF2-40B4-BE49-F238E27FC236}">
+                <a16:creationId xmlns:a16="http://schemas.microsoft.com/office/drawing/2014/main" id="{0F8B0BF2-F72C-4614-80EA-C08AEC3863DF}"/>
+              </a:ext>
+            </a:extLst>
+          </p:cNvPr>
+          <p:cNvPicPr>
+            <a:picLocks noChangeAspect="1"/>
+          </p:cNvPicPr>
+          <p:nvPr/>
+        </p:nvPicPr>
+        <p:blipFill rotWithShape="1">
+          <a:blip r:embed="rId2"/>
+          <a:srcRect l="1" t="30091" r="998" b="37435"/>
+          <a:stretch/>
+        </p:blipFill>
+        <p:spPr>
+          <a:xfrm rot="16200000">
+            <a:off x="2615293" y="2296765"/>
+            <a:ext cx="748422" cy="223720"/>
+          </a:xfrm>
+          <a:prstGeom prst="rect">
+            <a:avLst/>
+          </a:prstGeom>
+        </p:spPr>
+      </p:pic>
+      <p:cxnSp>
+        <p:nvCxnSpPr>
+          <p:cNvPr id="70" name="Connecteur droit 69">
+            <a:extLst>
+              <a:ext uri="{FF2B5EF4-FFF2-40B4-BE49-F238E27FC236}">
+                <a16:creationId xmlns:a16="http://schemas.microsoft.com/office/drawing/2014/main" id="{45811063-EE63-4A87-815D-A083C978ADEE}"/>
+              </a:ext>
+            </a:extLst>
+          </p:cNvPr>
+          <p:cNvCxnSpPr>
+            <a:cxnSpLocks/>
+          </p:cNvCxnSpPr>
+          <p:nvPr/>
+        </p:nvCxnSpPr>
+        <p:spPr>
+          <a:xfrm>
+            <a:off x="3001452" y="2672593"/>
+            <a:ext cx="0" cy="393829"/>
+          </a:xfrm>
+          <a:prstGeom prst="line">
+            <a:avLst/>
+          </a:prstGeom>
+          <a:ln w="57150">
+            <a:solidFill>
+              <a:schemeClr val="tx1"/>
+            </a:solidFill>
+          </a:ln>
+        </p:spPr>
+        <p:style>
+          <a:lnRef idx="1">
+            <a:schemeClr val="accent1"/>
+          </a:lnRef>
+          <a:fillRef idx="0">
+            <a:schemeClr val="accent1"/>
+          </a:fillRef>
+          <a:effectRef idx="0">
+            <a:schemeClr val="accent1"/>
+          </a:effectRef>
+          <a:fontRef idx="minor">
+            <a:schemeClr val="tx1"/>
+          </a:fontRef>
+        </p:style>
+      </p:cxnSp>
+      <p:pic>
+        <p:nvPicPr>
+          <p:cNvPr id="75" name="Image 74">
+            <a:extLst>
+              <a:ext uri="{FF2B5EF4-FFF2-40B4-BE49-F238E27FC236}">
+                <a16:creationId xmlns:a16="http://schemas.microsoft.com/office/drawing/2014/main" id="{DCB59AB3-00CE-436A-BB36-7B14808678CE}"/>
+              </a:ext>
+            </a:extLst>
+          </p:cNvPr>
+          <p:cNvPicPr>
+            <a:picLocks noChangeAspect="1"/>
+          </p:cNvPicPr>
+          <p:nvPr/>
+        </p:nvPicPr>
+        <p:blipFill>
+          <a:blip r:embed="rId6">
+            <a:extLst>
+              <a:ext uri="{28A0092B-C50C-407E-A947-70E740481C1C}">
+                <a14:useLocalDpi xmlns:a14="http://schemas.microsoft.com/office/drawing/2010/main" val="0"/>
+              </a:ext>
+            </a:extLst>
+          </a:blip>
+          <a:stretch>
+            <a:fillRect/>
+          </a:stretch>
+        </p:blipFill>
+        <p:spPr>
+          <a:xfrm>
+            <a:off x="2624236" y="1257828"/>
+            <a:ext cx="496384" cy="638208"/>
+          </a:xfrm>
+          <a:prstGeom prst="rect">
+            <a:avLst/>
+          </a:prstGeom>
+        </p:spPr>
+      </p:pic>
+      <p:sp>
+        <p:nvSpPr>
+          <p:cNvPr id="76" name="Forme libre : forme 75">
+            <a:extLst>
+              <a:ext uri="{FF2B5EF4-FFF2-40B4-BE49-F238E27FC236}">
+                <a16:creationId xmlns:a16="http://schemas.microsoft.com/office/drawing/2014/main" id="{2AFB34AC-EBB0-4F49-8894-E8093CE6500C}"/>
+              </a:ext>
+            </a:extLst>
+          </p:cNvPr>
+          <p:cNvSpPr/>
+          <p:nvPr/>
+        </p:nvSpPr>
+        <p:spPr>
+          <a:xfrm rot="21243881" flipH="1">
+            <a:off x="2766772" y="1846396"/>
+            <a:ext cx="45719" cy="244868"/>
+          </a:xfrm>
+          <a:custGeom>
+            <a:avLst/>
+            <a:gdLst>
+              <a:gd name="connsiteX0" fmla="*/ 0 w 25400"/>
+              <a:gd name="connsiteY0" fmla="*/ 0 h 469900"/>
+              <a:gd name="connsiteX1" fmla="*/ 25400 w 25400"/>
+              <a:gd name="connsiteY1" fmla="*/ 469900 h 469900"/>
+            </a:gdLst>
+            <a:ahLst/>
+            <a:cxnLst>
+              <a:cxn ang="0">
+                <a:pos x="connsiteX0" y="connsiteY0"/>
+              </a:cxn>
+              <a:cxn ang="0">
+                <a:pos x="connsiteX1" y="connsiteY1"/>
+              </a:cxn>
+            </a:cxnLst>
+            <a:rect l="l" t="t" r="r" b="b"/>
+            <a:pathLst>
+              <a:path w="25400" h="469900">
+                <a:moveTo>
+                  <a:pt x="0" y="0"/>
+                </a:moveTo>
+                <a:lnTo>
+                  <a:pt x="25400" y="469900"/>
+                </a:lnTo>
+              </a:path>
+            </a:pathLst>
+          </a:custGeom>
+          <a:noFill/>
+          <a:ln>
+            <a:prstDash val="dash"/>
+          </a:ln>
+        </p:spPr>
+        <p:style>
+          <a:lnRef idx="2">
+            <a:schemeClr val="accent1">
+              <a:shade val="50000"/>
+            </a:schemeClr>
+          </a:lnRef>
+          <a:fillRef idx="1">
+            <a:schemeClr val="accent1"/>
+          </a:fillRef>
+          <a:effectRef idx="0">
+            <a:schemeClr val="accent1"/>
+          </a:effectRef>
+          <a:fontRef idx="minor">
+            <a:schemeClr val="lt1"/>
+          </a:fontRef>
+        </p:style>
+        <p:txBody>
+          <a:bodyPr rtlCol="0" anchor="ctr"/>
+          <a:lstStyle/>
+          <a:p>
+            <a:pPr algn="ctr"/>
+            <a:endParaRPr lang="fr-FR"/>
+          </a:p>
+        </p:txBody>
+      </p:sp>
+      <p:sp>
+        <p:nvSpPr>
+          <p:cNvPr id="77" name="Forme libre : forme 76">
+            <a:extLst>
+              <a:ext uri="{FF2B5EF4-FFF2-40B4-BE49-F238E27FC236}">
+                <a16:creationId xmlns:a16="http://schemas.microsoft.com/office/drawing/2014/main" id="{CDFEA514-83D7-4B22-A5CA-5739E98240E4}"/>
+              </a:ext>
+            </a:extLst>
+          </p:cNvPr>
+          <p:cNvSpPr/>
+          <p:nvPr/>
+        </p:nvSpPr>
+        <p:spPr>
+          <a:xfrm rot="9899622" flipH="1">
+            <a:off x="2970112" y="1827148"/>
+            <a:ext cx="45719" cy="244868"/>
+          </a:xfrm>
+          <a:custGeom>
+            <a:avLst/>
+            <a:gdLst>
+              <a:gd name="connsiteX0" fmla="*/ 0 w 25400"/>
+              <a:gd name="connsiteY0" fmla="*/ 0 h 469900"/>
+              <a:gd name="connsiteX1" fmla="*/ 25400 w 25400"/>
+              <a:gd name="connsiteY1" fmla="*/ 469900 h 469900"/>
+            </a:gdLst>
+            <a:ahLst/>
+            <a:cxnLst>
+              <a:cxn ang="0">
+                <a:pos x="connsiteX0" y="connsiteY0"/>
+              </a:cxn>
+              <a:cxn ang="0">
+                <a:pos x="connsiteX1" y="connsiteY1"/>
+              </a:cxn>
+            </a:cxnLst>
+            <a:rect l="l" t="t" r="r" b="b"/>
+            <a:pathLst>
+              <a:path w="25400" h="469900">
+                <a:moveTo>
+                  <a:pt x="0" y="0"/>
+                </a:moveTo>
+                <a:lnTo>
+                  <a:pt x="25400" y="469900"/>
+                </a:lnTo>
+              </a:path>
+            </a:pathLst>
+          </a:custGeom>
+          <a:noFill/>
+          <a:ln>
+            <a:prstDash val="dash"/>
+          </a:ln>
+        </p:spPr>
+        <p:style>
+          <a:lnRef idx="2">
+            <a:schemeClr val="accent1">
+              <a:shade val="50000"/>
+            </a:schemeClr>
+          </a:lnRef>
+          <a:fillRef idx="1">
+            <a:schemeClr val="accent1"/>
+          </a:fillRef>
+          <a:effectRef idx="0">
+            <a:schemeClr val="accent1"/>
+          </a:effectRef>
+          <a:fontRef idx="minor">
+            <a:schemeClr val="lt1"/>
+          </a:fontRef>
+        </p:style>
+        <p:txBody>
+          <a:bodyPr rtlCol="0" anchor="ctr"/>
+          <a:lstStyle/>
+          <a:p>
+            <a:pPr algn="ctr"/>
+            <a:endParaRPr lang="fr-FR"/>
+          </a:p>
+        </p:txBody>
+      </p:sp>
+      <p:sp>
+        <p:nvSpPr>
+          <p:cNvPr id="78" name="ZoneTexte 77">
+            <a:extLst>
+              <a:ext uri="{FF2B5EF4-FFF2-40B4-BE49-F238E27FC236}">
+                <a16:creationId xmlns:a16="http://schemas.microsoft.com/office/drawing/2014/main" id="{FB61A8A6-F75B-48E3-9304-6D93D7D4F73E}"/>
+              </a:ext>
+            </a:extLst>
+          </p:cNvPr>
+          <p:cNvSpPr txBox="1"/>
+          <p:nvPr/>
+        </p:nvSpPr>
+        <p:spPr>
+          <a:xfrm>
+            <a:off x="6566445" y="4915176"/>
+            <a:ext cx="1167307" cy="261610"/>
+          </a:xfrm>
+          <a:prstGeom prst="rect">
+            <a:avLst/>
+          </a:prstGeom>
+          <a:noFill/>
+        </p:spPr>
+        <p:txBody>
+          <a:bodyPr wrap="none" rtlCol="0">
+            <a:spAutoFit/>
+          </a:bodyPr>
+          <a:lstStyle/>
+          <a:p>
+            <a:r>
+              <a:rPr lang="fr-FR" sz="1100" dirty="0" err="1"/>
+              <a:t>Wago</a:t>
+            </a:r>
+            <a:r>
+              <a:rPr lang="fr-FR" sz="1100" dirty="0"/>
+              <a:t> ou domino</a:t>
             </a:r>
           </a:p>
         </p:txBody>
@@ -6673,49 +7087,6 @@
           <a:xfrm flipH="1">
             <a:off x="7150100" y="1510956"/>
             <a:ext cx="3469640" cy="0"/>
-          </a:xfrm>
-          <a:prstGeom prst="line">
-            <a:avLst/>
-          </a:prstGeom>
-          <a:ln w="57150">
-            <a:solidFill>
-              <a:schemeClr val="tx1"/>
-            </a:solidFill>
-          </a:ln>
-        </p:spPr>
-        <p:style>
-          <a:lnRef idx="1">
-            <a:schemeClr val="accent1"/>
-          </a:lnRef>
-          <a:fillRef idx="0">
-            <a:schemeClr val="accent1"/>
-          </a:fillRef>
-          <a:effectRef idx="0">
-            <a:schemeClr val="accent1"/>
-          </a:effectRef>
-          <a:fontRef idx="minor">
-            <a:schemeClr val="tx1"/>
-          </a:fontRef>
-        </p:style>
-      </p:cxnSp>
-      <p:cxnSp>
-        <p:nvCxnSpPr>
-          <p:cNvPr id="10" name="Connecteur droit 9">
-            <a:extLst>
-              <a:ext uri="{FF2B5EF4-FFF2-40B4-BE49-F238E27FC236}">
-                <a16:creationId xmlns:a16="http://schemas.microsoft.com/office/drawing/2014/main" id="{1AD5D23C-688A-425A-A342-06F5C6A12CC2}"/>
-              </a:ext>
-            </a:extLst>
-          </p:cNvPr>
-          <p:cNvCxnSpPr>
-            <a:cxnSpLocks/>
-          </p:cNvCxnSpPr>
-          <p:nvPr/>
-        </p:nvCxnSpPr>
-        <p:spPr>
-          <a:xfrm flipH="1">
-            <a:off x="1343660" y="3045116"/>
-            <a:ext cx="2621280" cy="0"/>
           </a:xfrm>
           <a:prstGeom prst="line">
             <a:avLst/>
@@ -8413,7 +8784,7 @@
         </p:nvSpPr>
         <p:spPr>
           <a:xfrm>
-            <a:off x="736415" y="4911822"/>
+            <a:off x="4137326" y="5866583"/>
             <a:ext cx="2588081" cy="369332"/>
           </a:xfrm>
           <a:prstGeom prst="rect">
@@ -8448,7 +8819,7 @@
         </p:nvGrpSpPr>
         <p:grpSpPr>
           <a:xfrm>
-            <a:off x="332524" y="5186811"/>
+            <a:off x="3733435" y="6103472"/>
             <a:ext cx="3202355" cy="691807"/>
             <a:chOff x="1275049" y="5975236"/>
             <a:chExt cx="3202355" cy="691807"/>
@@ -8528,7 +8899,7 @@
         </p:nvSpPr>
         <p:spPr>
           <a:xfrm>
-            <a:off x="491888" y="5779693"/>
+            <a:off x="491888" y="5840653"/>
             <a:ext cx="1703543" cy="369332"/>
           </a:xfrm>
           <a:prstGeom prst="rect">
@@ -8563,7 +8934,7 @@
         </p:nvGrpSpPr>
         <p:grpSpPr>
           <a:xfrm>
-            <a:off x="366386" y="6033827"/>
+            <a:off x="366386" y="6094787"/>
             <a:ext cx="3258793" cy="691807"/>
             <a:chOff x="7181376" y="5852875"/>
             <a:chExt cx="3258793" cy="691807"/>
@@ -8643,7 +9014,7 @@
         </p:nvSpPr>
         <p:spPr>
           <a:xfrm>
-            <a:off x="8554297" y="5662656"/>
+            <a:off x="8153167" y="5814285"/>
             <a:ext cx="2466573" cy="523220"/>
           </a:xfrm>
           <a:prstGeom prst="rect">
@@ -8669,6 +9040,492 @@
           </a:p>
         </p:txBody>
       </p:sp>
+      <p:pic>
+        <p:nvPicPr>
+          <p:cNvPr id="90" name="Image 89">
+            <a:extLst>
+              <a:ext uri="{FF2B5EF4-FFF2-40B4-BE49-F238E27FC236}">
+                <a16:creationId xmlns:a16="http://schemas.microsoft.com/office/drawing/2014/main" id="{9F84DEC4-A5B0-4D5C-AD5B-41FBA85BD78D}"/>
+              </a:ext>
+            </a:extLst>
+          </p:cNvPr>
+          <p:cNvPicPr>
+            <a:picLocks noChangeAspect="1"/>
+          </p:cNvPicPr>
+          <p:nvPr/>
+        </p:nvPicPr>
+        <p:blipFill rotWithShape="1">
+          <a:blip r:embed="rId2"/>
+          <a:srcRect l="1" t="30091" r="998" b="37435"/>
+          <a:stretch/>
+        </p:blipFill>
+        <p:spPr>
+          <a:xfrm>
+            <a:off x="3855079" y="2933256"/>
+            <a:ext cx="748422" cy="223720"/>
+          </a:xfrm>
+          <a:prstGeom prst="rect">
+            <a:avLst/>
+          </a:prstGeom>
+        </p:spPr>
+      </p:pic>
+      <p:sp>
+        <p:nvSpPr>
+          <p:cNvPr id="91" name="ZoneTexte 90">
+            <a:extLst>
+              <a:ext uri="{FF2B5EF4-FFF2-40B4-BE49-F238E27FC236}">
+                <a16:creationId xmlns:a16="http://schemas.microsoft.com/office/drawing/2014/main" id="{D985247E-3E28-4E82-AED8-914142AE06E9}"/>
+              </a:ext>
+            </a:extLst>
+          </p:cNvPr>
+          <p:cNvSpPr txBox="1"/>
+          <p:nvPr/>
+        </p:nvSpPr>
+        <p:spPr>
+          <a:xfrm>
+            <a:off x="2347100" y="1037673"/>
+            <a:ext cx="1167307" cy="261610"/>
+          </a:xfrm>
+          <a:prstGeom prst="rect">
+            <a:avLst/>
+          </a:prstGeom>
+          <a:noFill/>
+        </p:spPr>
+        <p:txBody>
+          <a:bodyPr wrap="none" rtlCol="0">
+            <a:spAutoFit/>
+          </a:bodyPr>
+          <a:lstStyle/>
+          <a:p>
+            <a:r>
+              <a:rPr lang="fr-FR" sz="1100" dirty="0" err="1"/>
+              <a:t>Wago</a:t>
+            </a:r>
+            <a:r>
+              <a:rPr lang="fr-FR" sz="1100" dirty="0"/>
+              <a:t> ou domino</a:t>
+            </a:r>
+          </a:p>
+        </p:txBody>
+      </p:sp>
+      <p:cxnSp>
+        <p:nvCxnSpPr>
+          <p:cNvPr id="94" name="Connecteur droit 93">
+            <a:extLst>
+              <a:ext uri="{FF2B5EF4-FFF2-40B4-BE49-F238E27FC236}">
+                <a16:creationId xmlns:a16="http://schemas.microsoft.com/office/drawing/2014/main" id="{C017CE2C-ACA7-49D9-81AC-C5176CF6B61B}"/>
+              </a:ext>
+            </a:extLst>
+          </p:cNvPr>
+          <p:cNvCxnSpPr>
+            <a:cxnSpLocks/>
+          </p:cNvCxnSpPr>
+          <p:nvPr/>
+        </p:nvCxnSpPr>
+        <p:spPr>
+          <a:xfrm flipH="1" flipV="1">
+            <a:off x="2989504" y="3045116"/>
+            <a:ext cx="971740" cy="1"/>
+          </a:xfrm>
+          <a:prstGeom prst="line">
+            <a:avLst/>
+          </a:prstGeom>
+          <a:ln w="57150">
+            <a:solidFill>
+              <a:schemeClr val="tx1"/>
+            </a:solidFill>
+          </a:ln>
+        </p:spPr>
+        <p:style>
+          <a:lnRef idx="1">
+            <a:schemeClr val="accent1"/>
+          </a:lnRef>
+          <a:fillRef idx="0">
+            <a:schemeClr val="accent1"/>
+          </a:fillRef>
+          <a:effectRef idx="0">
+            <a:schemeClr val="accent1"/>
+          </a:effectRef>
+          <a:fontRef idx="minor">
+            <a:schemeClr val="tx1"/>
+          </a:fontRef>
+        </p:style>
+      </p:cxnSp>
+      <p:pic>
+        <p:nvPicPr>
+          <p:cNvPr id="95" name="Image 94">
+            <a:extLst>
+              <a:ext uri="{FF2B5EF4-FFF2-40B4-BE49-F238E27FC236}">
+                <a16:creationId xmlns:a16="http://schemas.microsoft.com/office/drawing/2014/main" id="{7C6626BA-C3B4-4B62-990D-77B1DC839FD9}"/>
+              </a:ext>
+            </a:extLst>
+          </p:cNvPr>
+          <p:cNvPicPr>
+            <a:picLocks noChangeAspect="1"/>
+          </p:cNvPicPr>
+          <p:nvPr/>
+        </p:nvPicPr>
+        <p:blipFill rotWithShape="1">
+          <a:blip r:embed="rId2"/>
+          <a:srcRect l="1" t="30091" r="998" b="37435"/>
+          <a:stretch/>
+        </p:blipFill>
+        <p:spPr>
+          <a:xfrm rot="16200000">
+            <a:off x="2383673" y="2293215"/>
+            <a:ext cx="748422" cy="223720"/>
+          </a:xfrm>
+          <a:prstGeom prst="rect">
+            <a:avLst/>
+          </a:prstGeom>
+        </p:spPr>
+      </p:pic>
+      <p:cxnSp>
+        <p:nvCxnSpPr>
+          <p:cNvPr id="96" name="Connecteur droit 95">
+            <a:extLst>
+              <a:ext uri="{FF2B5EF4-FFF2-40B4-BE49-F238E27FC236}">
+                <a16:creationId xmlns:a16="http://schemas.microsoft.com/office/drawing/2014/main" id="{1E8132B3-EF37-4C81-8D94-ECC367D5F444}"/>
+              </a:ext>
+            </a:extLst>
+          </p:cNvPr>
+          <p:cNvCxnSpPr>
+            <a:cxnSpLocks/>
+          </p:cNvCxnSpPr>
+          <p:nvPr/>
+        </p:nvCxnSpPr>
+        <p:spPr>
+          <a:xfrm>
+            <a:off x="2769832" y="2669043"/>
+            <a:ext cx="0" cy="393829"/>
+          </a:xfrm>
+          <a:prstGeom prst="line">
+            <a:avLst/>
+          </a:prstGeom>
+          <a:ln w="57150">
+            <a:solidFill>
+              <a:schemeClr val="tx1"/>
+            </a:solidFill>
+          </a:ln>
+        </p:spPr>
+        <p:style>
+          <a:lnRef idx="1">
+            <a:schemeClr val="accent1"/>
+          </a:lnRef>
+          <a:fillRef idx="0">
+            <a:schemeClr val="accent1"/>
+          </a:fillRef>
+          <a:effectRef idx="0">
+            <a:schemeClr val="accent1"/>
+          </a:effectRef>
+          <a:fontRef idx="minor">
+            <a:schemeClr val="tx1"/>
+          </a:fontRef>
+        </p:style>
+      </p:cxnSp>
+      <p:pic>
+        <p:nvPicPr>
+          <p:cNvPr id="98" name="Image 97">
+            <a:extLst>
+              <a:ext uri="{FF2B5EF4-FFF2-40B4-BE49-F238E27FC236}">
+                <a16:creationId xmlns:a16="http://schemas.microsoft.com/office/drawing/2014/main" id="{F306BC41-71DC-4254-B235-4C8944EA5F75}"/>
+              </a:ext>
+            </a:extLst>
+          </p:cNvPr>
+          <p:cNvPicPr>
+            <a:picLocks noChangeAspect="1"/>
+          </p:cNvPicPr>
+          <p:nvPr/>
+        </p:nvPicPr>
+        <p:blipFill rotWithShape="1">
+          <a:blip r:embed="rId2"/>
+          <a:srcRect l="1" t="30091" r="998" b="37435"/>
+          <a:stretch/>
+        </p:blipFill>
+        <p:spPr>
+          <a:xfrm rot="16200000">
+            <a:off x="2615293" y="2296765"/>
+            <a:ext cx="748422" cy="223720"/>
+          </a:xfrm>
+          <a:prstGeom prst="rect">
+            <a:avLst/>
+          </a:prstGeom>
+        </p:spPr>
+      </p:pic>
+      <p:cxnSp>
+        <p:nvCxnSpPr>
+          <p:cNvPr id="99" name="Connecteur droit 98">
+            <a:extLst>
+              <a:ext uri="{FF2B5EF4-FFF2-40B4-BE49-F238E27FC236}">
+                <a16:creationId xmlns:a16="http://schemas.microsoft.com/office/drawing/2014/main" id="{4549F137-6025-4596-9C92-54881D83CEB7}"/>
+              </a:ext>
+            </a:extLst>
+          </p:cNvPr>
+          <p:cNvCxnSpPr>
+            <a:cxnSpLocks/>
+          </p:cNvCxnSpPr>
+          <p:nvPr/>
+        </p:nvCxnSpPr>
+        <p:spPr>
+          <a:xfrm>
+            <a:off x="3001452" y="2672593"/>
+            <a:ext cx="0" cy="393829"/>
+          </a:xfrm>
+          <a:prstGeom prst="line">
+            <a:avLst/>
+          </a:prstGeom>
+          <a:ln w="57150">
+            <a:solidFill>
+              <a:schemeClr val="tx1"/>
+            </a:solidFill>
+          </a:ln>
+        </p:spPr>
+        <p:style>
+          <a:lnRef idx="1">
+            <a:schemeClr val="accent1"/>
+          </a:lnRef>
+          <a:fillRef idx="0">
+            <a:schemeClr val="accent1"/>
+          </a:fillRef>
+          <a:effectRef idx="0">
+            <a:schemeClr val="accent1"/>
+          </a:effectRef>
+          <a:fontRef idx="minor">
+            <a:schemeClr val="tx1"/>
+          </a:fontRef>
+        </p:style>
+      </p:cxnSp>
+      <p:pic>
+        <p:nvPicPr>
+          <p:cNvPr id="101" name="Image 100">
+            <a:extLst>
+              <a:ext uri="{FF2B5EF4-FFF2-40B4-BE49-F238E27FC236}">
+                <a16:creationId xmlns:a16="http://schemas.microsoft.com/office/drawing/2014/main" id="{B822661E-12EE-43C0-87E7-35F166F10AE4}"/>
+              </a:ext>
+            </a:extLst>
+          </p:cNvPr>
+          <p:cNvPicPr>
+            <a:picLocks noChangeAspect="1"/>
+          </p:cNvPicPr>
+          <p:nvPr/>
+        </p:nvPicPr>
+        <p:blipFill>
+          <a:blip r:embed="rId6">
+            <a:extLst>
+              <a:ext uri="{28A0092B-C50C-407E-A947-70E740481C1C}">
+                <a14:useLocalDpi xmlns:a14="http://schemas.microsoft.com/office/drawing/2010/main" val="0"/>
+              </a:ext>
+            </a:extLst>
+          </a:blip>
+          <a:stretch>
+            <a:fillRect/>
+          </a:stretch>
+        </p:blipFill>
+        <p:spPr>
+          <a:xfrm>
+            <a:off x="2624236" y="1257828"/>
+            <a:ext cx="496384" cy="638208"/>
+          </a:xfrm>
+          <a:prstGeom prst="rect">
+            <a:avLst/>
+          </a:prstGeom>
+        </p:spPr>
+      </p:pic>
+      <p:sp>
+        <p:nvSpPr>
+          <p:cNvPr id="102" name="Forme libre : forme 101">
+            <a:extLst>
+              <a:ext uri="{FF2B5EF4-FFF2-40B4-BE49-F238E27FC236}">
+                <a16:creationId xmlns:a16="http://schemas.microsoft.com/office/drawing/2014/main" id="{DDF42E0C-6000-463D-B57A-F0710D7C0D83}"/>
+              </a:ext>
+            </a:extLst>
+          </p:cNvPr>
+          <p:cNvSpPr/>
+          <p:nvPr/>
+        </p:nvSpPr>
+        <p:spPr>
+          <a:xfrm rot="21243881" flipH="1">
+            <a:off x="2766772" y="1846396"/>
+            <a:ext cx="45719" cy="244868"/>
+          </a:xfrm>
+          <a:custGeom>
+            <a:avLst/>
+            <a:gdLst>
+              <a:gd name="connsiteX0" fmla="*/ 0 w 25400"/>
+              <a:gd name="connsiteY0" fmla="*/ 0 h 469900"/>
+              <a:gd name="connsiteX1" fmla="*/ 25400 w 25400"/>
+              <a:gd name="connsiteY1" fmla="*/ 469900 h 469900"/>
+            </a:gdLst>
+            <a:ahLst/>
+            <a:cxnLst>
+              <a:cxn ang="0">
+                <a:pos x="connsiteX0" y="connsiteY0"/>
+              </a:cxn>
+              <a:cxn ang="0">
+                <a:pos x="connsiteX1" y="connsiteY1"/>
+              </a:cxn>
+            </a:cxnLst>
+            <a:rect l="l" t="t" r="r" b="b"/>
+            <a:pathLst>
+              <a:path w="25400" h="469900">
+                <a:moveTo>
+                  <a:pt x="0" y="0"/>
+                </a:moveTo>
+                <a:lnTo>
+                  <a:pt x="25400" y="469900"/>
+                </a:lnTo>
+              </a:path>
+            </a:pathLst>
+          </a:custGeom>
+          <a:noFill/>
+          <a:ln>
+            <a:prstDash val="dash"/>
+          </a:ln>
+        </p:spPr>
+        <p:style>
+          <a:lnRef idx="2">
+            <a:schemeClr val="accent1">
+              <a:shade val="50000"/>
+            </a:schemeClr>
+          </a:lnRef>
+          <a:fillRef idx="1">
+            <a:schemeClr val="accent1"/>
+          </a:fillRef>
+          <a:effectRef idx="0">
+            <a:schemeClr val="accent1"/>
+          </a:effectRef>
+          <a:fontRef idx="minor">
+            <a:schemeClr val="lt1"/>
+          </a:fontRef>
+        </p:style>
+        <p:txBody>
+          <a:bodyPr rtlCol="0" anchor="ctr"/>
+          <a:lstStyle/>
+          <a:p>
+            <a:pPr algn="ctr"/>
+            <a:endParaRPr lang="fr-FR"/>
+          </a:p>
+        </p:txBody>
+      </p:sp>
+      <p:sp>
+        <p:nvSpPr>
+          <p:cNvPr id="109" name="Forme libre : forme 108">
+            <a:extLst>
+              <a:ext uri="{FF2B5EF4-FFF2-40B4-BE49-F238E27FC236}">
+                <a16:creationId xmlns:a16="http://schemas.microsoft.com/office/drawing/2014/main" id="{B44B9068-816E-485E-946E-D189CF407AD2}"/>
+              </a:ext>
+            </a:extLst>
+          </p:cNvPr>
+          <p:cNvSpPr/>
+          <p:nvPr/>
+        </p:nvSpPr>
+        <p:spPr>
+          <a:xfrm rot="9899622" flipH="1">
+            <a:off x="2970112" y="1827148"/>
+            <a:ext cx="45719" cy="244868"/>
+          </a:xfrm>
+          <a:custGeom>
+            <a:avLst/>
+            <a:gdLst>
+              <a:gd name="connsiteX0" fmla="*/ 0 w 25400"/>
+              <a:gd name="connsiteY0" fmla="*/ 0 h 469900"/>
+              <a:gd name="connsiteX1" fmla="*/ 25400 w 25400"/>
+              <a:gd name="connsiteY1" fmla="*/ 469900 h 469900"/>
+            </a:gdLst>
+            <a:ahLst/>
+            <a:cxnLst>
+              <a:cxn ang="0">
+                <a:pos x="connsiteX0" y="connsiteY0"/>
+              </a:cxn>
+              <a:cxn ang="0">
+                <a:pos x="connsiteX1" y="connsiteY1"/>
+              </a:cxn>
+            </a:cxnLst>
+            <a:rect l="l" t="t" r="r" b="b"/>
+            <a:pathLst>
+              <a:path w="25400" h="469900">
+                <a:moveTo>
+                  <a:pt x="0" y="0"/>
+                </a:moveTo>
+                <a:lnTo>
+                  <a:pt x="25400" y="469900"/>
+                </a:lnTo>
+              </a:path>
+            </a:pathLst>
+          </a:custGeom>
+          <a:noFill/>
+          <a:ln>
+            <a:prstDash val="dash"/>
+          </a:ln>
+        </p:spPr>
+        <p:style>
+          <a:lnRef idx="2">
+            <a:schemeClr val="accent1">
+              <a:shade val="50000"/>
+            </a:schemeClr>
+          </a:lnRef>
+          <a:fillRef idx="1">
+            <a:schemeClr val="accent1"/>
+          </a:fillRef>
+          <a:effectRef idx="0">
+            <a:schemeClr val="accent1"/>
+          </a:effectRef>
+          <a:fontRef idx="minor">
+            <a:schemeClr val="lt1"/>
+          </a:fontRef>
+        </p:style>
+        <p:txBody>
+          <a:bodyPr rtlCol="0" anchor="ctr"/>
+          <a:lstStyle/>
+          <a:p>
+            <a:pPr algn="ctr"/>
+            <a:endParaRPr lang="fr-FR"/>
+          </a:p>
+        </p:txBody>
+      </p:sp>
+      <p:cxnSp>
+        <p:nvCxnSpPr>
+          <p:cNvPr id="110" name="Connecteur droit 109">
+            <a:extLst>
+              <a:ext uri="{FF2B5EF4-FFF2-40B4-BE49-F238E27FC236}">
+                <a16:creationId xmlns:a16="http://schemas.microsoft.com/office/drawing/2014/main" id="{C4E77386-39B6-46D0-953D-18F76C3CE01E}"/>
+              </a:ext>
+            </a:extLst>
+          </p:cNvPr>
+          <p:cNvCxnSpPr>
+            <a:cxnSpLocks/>
+          </p:cNvCxnSpPr>
+          <p:nvPr/>
+        </p:nvCxnSpPr>
+        <p:spPr>
+          <a:xfrm flipH="1" flipV="1">
+            <a:off x="1930235" y="3039676"/>
+            <a:ext cx="867918" cy="5440"/>
+          </a:xfrm>
+          <a:prstGeom prst="line">
+            <a:avLst/>
+          </a:prstGeom>
+          <a:ln w="57150">
+            <a:solidFill>
+              <a:schemeClr val="tx1"/>
+            </a:solidFill>
+          </a:ln>
+        </p:spPr>
+        <p:style>
+          <a:lnRef idx="1">
+            <a:schemeClr val="accent1"/>
+          </a:lnRef>
+          <a:fillRef idx="0">
+            <a:schemeClr val="accent1"/>
+          </a:fillRef>
+          <a:effectRef idx="0">
+            <a:schemeClr val="accent1"/>
+          </a:effectRef>
+          <a:fontRef idx="minor">
+            <a:schemeClr val="tx1"/>
+          </a:fontRef>
+        </p:style>
+      </p:cxnSp>
     </p:spTree>
     <p:extLst>
       <p:ext uri="{BB962C8B-B14F-4D97-AF65-F5344CB8AC3E}">

--- a/KosmosV4System/doc/pictures/V4_Batterie/CablageCaissonBatterie.pptx
+++ b/KosmosV4System/doc/pictures/V4_Batterie/CablageCaissonBatterie.pptx
@@ -260,7 +260,7 @@
           <a:p>
             <a:fld id="{CBE28E84-A7D2-4159-A0E1-378114FD4EAF}" type="datetimeFigureOut">
               <a:rPr lang="fr-FR" smtClean="0"/>
-              <a:t>22/01/2026</a:t>
+              <a:t>23/01/2026</a:t>
             </a:fld>
             <a:endParaRPr lang="fr-FR"/>
           </a:p>
@@ -458,7 +458,7 @@
           <a:p>
             <a:fld id="{CBE28E84-A7D2-4159-A0E1-378114FD4EAF}" type="datetimeFigureOut">
               <a:rPr lang="fr-FR" smtClean="0"/>
-              <a:t>22/01/2026</a:t>
+              <a:t>23/01/2026</a:t>
             </a:fld>
             <a:endParaRPr lang="fr-FR"/>
           </a:p>
@@ -666,7 +666,7 @@
           <a:p>
             <a:fld id="{CBE28E84-A7D2-4159-A0E1-378114FD4EAF}" type="datetimeFigureOut">
               <a:rPr lang="fr-FR" smtClean="0"/>
-              <a:t>22/01/2026</a:t>
+              <a:t>23/01/2026</a:t>
             </a:fld>
             <a:endParaRPr lang="fr-FR"/>
           </a:p>
@@ -864,7 +864,7 @@
           <a:p>
             <a:fld id="{CBE28E84-A7D2-4159-A0E1-378114FD4EAF}" type="datetimeFigureOut">
               <a:rPr lang="fr-FR" smtClean="0"/>
-              <a:t>22/01/2026</a:t>
+              <a:t>23/01/2026</a:t>
             </a:fld>
             <a:endParaRPr lang="fr-FR"/>
           </a:p>
@@ -1139,7 +1139,7 @@
           <a:p>
             <a:fld id="{CBE28E84-A7D2-4159-A0E1-378114FD4EAF}" type="datetimeFigureOut">
               <a:rPr lang="fr-FR" smtClean="0"/>
-              <a:t>22/01/2026</a:t>
+              <a:t>23/01/2026</a:t>
             </a:fld>
             <a:endParaRPr lang="fr-FR"/>
           </a:p>
@@ -1404,7 +1404,7 @@
           <a:p>
             <a:fld id="{CBE28E84-A7D2-4159-A0E1-378114FD4EAF}" type="datetimeFigureOut">
               <a:rPr lang="fr-FR" smtClean="0"/>
-              <a:t>22/01/2026</a:t>
+              <a:t>23/01/2026</a:t>
             </a:fld>
             <a:endParaRPr lang="fr-FR"/>
           </a:p>
@@ -1816,7 +1816,7 @@
           <a:p>
             <a:fld id="{CBE28E84-A7D2-4159-A0E1-378114FD4EAF}" type="datetimeFigureOut">
               <a:rPr lang="fr-FR" smtClean="0"/>
-              <a:t>22/01/2026</a:t>
+              <a:t>23/01/2026</a:t>
             </a:fld>
             <a:endParaRPr lang="fr-FR"/>
           </a:p>
@@ -1957,7 +1957,7 @@
           <a:p>
             <a:fld id="{CBE28E84-A7D2-4159-A0E1-378114FD4EAF}" type="datetimeFigureOut">
               <a:rPr lang="fr-FR" smtClean="0"/>
-              <a:t>22/01/2026</a:t>
+              <a:t>23/01/2026</a:t>
             </a:fld>
             <a:endParaRPr lang="fr-FR"/>
           </a:p>
@@ -2070,7 +2070,7 @@
           <a:p>
             <a:fld id="{CBE28E84-A7D2-4159-A0E1-378114FD4EAF}" type="datetimeFigureOut">
               <a:rPr lang="fr-FR" smtClean="0"/>
-              <a:t>22/01/2026</a:t>
+              <a:t>23/01/2026</a:t>
             </a:fld>
             <a:endParaRPr lang="fr-FR"/>
           </a:p>
@@ -2381,7 +2381,7 @@
           <a:p>
             <a:fld id="{CBE28E84-A7D2-4159-A0E1-378114FD4EAF}" type="datetimeFigureOut">
               <a:rPr lang="fr-FR" smtClean="0"/>
-              <a:t>22/01/2026</a:t>
+              <a:t>23/01/2026</a:t>
             </a:fld>
             <a:endParaRPr lang="fr-FR"/>
           </a:p>
@@ -2669,7 +2669,7 @@
           <a:p>
             <a:fld id="{CBE28E84-A7D2-4159-A0E1-378114FD4EAF}" type="datetimeFigureOut">
               <a:rPr lang="fr-FR" smtClean="0"/>
-              <a:t>22/01/2026</a:t>
+              <a:t>23/01/2026</a:t>
             </a:fld>
             <a:endParaRPr lang="fr-FR"/>
           </a:p>
@@ -2910,7 +2910,7 @@
           <a:p>
             <a:fld id="{CBE28E84-A7D2-4159-A0E1-378114FD4EAF}" type="datetimeFigureOut">
               <a:rPr lang="fr-FR" smtClean="0"/>
-              <a:t>22/01/2026</a:t>
+              <a:t>23/01/2026</a:t>
             </a:fld>
             <a:endParaRPr lang="fr-FR"/>
           </a:p>
@@ -4549,7 +4549,6 @@
           </p:cNvPr>
           <p:cNvCxnSpPr>
             <a:cxnSpLocks/>
-            <a:stCxn id="27" idx="0"/>
           </p:cNvCxnSpPr>
           <p:nvPr/>
         </p:nvCxnSpPr>
@@ -4593,7 +4592,6 @@
           </p:cNvPr>
           <p:cNvCxnSpPr>
             <a:cxnSpLocks/>
-            <a:stCxn id="27" idx="0"/>
           </p:cNvCxnSpPr>
           <p:nvPr/>
         </p:nvCxnSpPr>
@@ -4866,76 +4864,6 @@
           </a:fontRef>
         </p:style>
       </p:cxnSp>
-      <p:pic>
-        <p:nvPicPr>
-          <p:cNvPr id="27" name="Image 26">
-            <a:extLst>
-              <a:ext uri="{FF2B5EF4-FFF2-40B4-BE49-F238E27FC236}">
-                <a16:creationId xmlns:a16="http://schemas.microsoft.com/office/drawing/2014/main" id="{4A4033A7-2427-42BE-83C0-20A3E136023C}"/>
-              </a:ext>
-            </a:extLst>
-          </p:cNvPr>
-          <p:cNvPicPr>
-            <a:picLocks noChangeAspect="1"/>
-          </p:cNvPicPr>
-          <p:nvPr/>
-        </p:nvPicPr>
-        <p:blipFill rotWithShape="1">
-          <a:blip r:embed="rId7">
-            <a:extLst>
-              <a:ext uri="{28A0092B-C50C-407E-A947-70E740481C1C}">
-                <a14:useLocalDpi xmlns:a14="http://schemas.microsoft.com/office/drawing/2010/main" val="0"/>
-              </a:ext>
-            </a:extLst>
-          </a:blip>
-          <a:srcRect l="4534" t="5222" r="-4215" b="5870"/>
-          <a:stretch/>
-        </p:blipFill>
-        <p:spPr>
-          <a:xfrm>
-            <a:off x="7731733" y="2844079"/>
-            <a:ext cx="225983" cy="771699"/>
-          </a:xfrm>
-          <a:prstGeom prst="rect">
-            <a:avLst/>
-          </a:prstGeom>
-        </p:spPr>
-      </p:pic>
-      <p:pic>
-        <p:nvPicPr>
-          <p:cNvPr id="85" name="Image 84">
-            <a:extLst>
-              <a:ext uri="{FF2B5EF4-FFF2-40B4-BE49-F238E27FC236}">
-                <a16:creationId xmlns:a16="http://schemas.microsoft.com/office/drawing/2014/main" id="{5A483478-6774-4FB4-885C-CBDFCFEC8271}"/>
-              </a:ext>
-            </a:extLst>
-          </p:cNvPr>
-          <p:cNvPicPr>
-            <a:picLocks noChangeAspect="1"/>
-          </p:cNvPicPr>
-          <p:nvPr/>
-        </p:nvPicPr>
-        <p:blipFill rotWithShape="1">
-          <a:blip r:embed="rId7">
-            <a:extLst>
-              <a:ext uri="{28A0092B-C50C-407E-A947-70E740481C1C}">
-                <a14:useLocalDpi xmlns:a14="http://schemas.microsoft.com/office/drawing/2010/main" val="0"/>
-              </a:ext>
-            </a:extLst>
-          </a:blip>
-          <a:srcRect l="4534" t="5222" r="-4215" b="5870"/>
-          <a:stretch/>
-        </p:blipFill>
-        <p:spPr>
-          <a:xfrm>
-            <a:off x="7037108" y="2666837"/>
-            <a:ext cx="225983" cy="771699"/>
-          </a:xfrm>
-          <a:prstGeom prst="rect">
-            <a:avLst/>
-          </a:prstGeom>
-        </p:spPr>
-      </p:pic>
       <p:cxnSp>
         <p:nvCxnSpPr>
           <p:cNvPr id="88" name="Connecteur droit 87">
@@ -4947,7 +4875,6 @@
           </p:cNvPr>
           <p:cNvCxnSpPr>
             <a:cxnSpLocks/>
-            <a:endCxn id="85" idx="0"/>
           </p:cNvCxnSpPr>
           <p:nvPr/>
         </p:nvCxnSpPr>
@@ -4991,7 +4918,6 @@
           </p:cNvPr>
           <p:cNvCxnSpPr>
             <a:cxnSpLocks/>
-            <a:endCxn id="85" idx="0"/>
           </p:cNvCxnSpPr>
           <p:nvPr/>
         </p:nvCxnSpPr>
@@ -5035,7 +4961,6 @@
           </p:cNvPr>
           <p:cNvCxnSpPr>
             <a:cxnSpLocks/>
-            <a:stCxn id="85" idx="2"/>
           </p:cNvCxnSpPr>
           <p:nvPr/>
         </p:nvCxnSpPr>
@@ -5334,7 +5259,6 @@
           </p:cNvPr>
           <p:cNvCxnSpPr>
             <a:cxnSpLocks/>
-            <a:stCxn id="108" idx="2"/>
           </p:cNvCxnSpPr>
           <p:nvPr/>
         </p:nvCxnSpPr>
@@ -5367,41 +5291,6 @@
           </a:fontRef>
         </p:style>
       </p:cxnSp>
-      <p:pic>
-        <p:nvPicPr>
-          <p:cNvPr id="108" name="Image 107">
-            <a:extLst>
-              <a:ext uri="{FF2B5EF4-FFF2-40B4-BE49-F238E27FC236}">
-                <a16:creationId xmlns:a16="http://schemas.microsoft.com/office/drawing/2014/main" id="{05FFE692-C563-4E75-818C-E3AFC5EB431B}"/>
-              </a:ext>
-            </a:extLst>
-          </p:cNvPr>
-          <p:cNvPicPr>
-            <a:picLocks noChangeAspect="1"/>
-          </p:cNvPicPr>
-          <p:nvPr/>
-        </p:nvPicPr>
-        <p:blipFill rotWithShape="1">
-          <a:blip r:embed="rId7">
-            <a:extLst>
-              <a:ext uri="{28A0092B-C50C-407E-A947-70E740481C1C}">
-                <a14:useLocalDpi xmlns:a14="http://schemas.microsoft.com/office/drawing/2010/main" val="0"/>
-              </a:ext>
-            </a:extLst>
-          </a:blip>
-          <a:srcRect l="4534" t="5222" r="-4215" b="5870"/>
-          <a:stretch/>
-        </p:blipFill>
-        <p:spPr>
-          <a:xfrm>
-            <a:off x="8718889" y="2827599"/>
-            <a:ext cx="225983" cy="771699"/>
-          </a:xfrm>
-          <a:prstGeom prst="rect">
-            <a:avLst/>
-          </a:prstGeom>
-        </p:spPr>
-      </p:pic>
       <p:cxnSp>
         <p:nvCxnSpPr>
           <p:cNvPr id="112" name="Connecteur droit 111">
@@ -5413,7 +5302,6 @@
           </p:cNvPr>
           <p:cNvCxnSpPr>
             <a:cxnSpLocks/>
-            <a:stCxn id="108" idx="0"/>
           </p:cNvCxnSpPr>
           <p:nvPr/>
         </p:nvCxnSpPr>
@@ -5457,7 +5345,6 @@
           </p:cNvPr>
           <p:cNvCxnSpPr>
             <a:cxnSpLocks/>
-            <a:stCxn id="108" idx="0"/>
           </p:cNvCxnSpPr>
           <p:nvPr/>
         </p:nvCxnSpPr>
@@ -5505,7 +5392,7 @@
           <p:nvPr/>
         </p:nvPicPr>
         <p:blipFill>
-          <a:blip r:embed="rId8">
+          <a:blip r:embed="rId7">
             <a:clrChange>
               <a:clrFrom>
                 <a:srgbClr val="FFFFFF"/>
@@ -5912,7 +5799,7 @@
           <p:nvPr/>
         </p:nvPicPr>
         <p:blipFill>
-          <a:blip r:embed="rId9"/>
+          <a:blip r:embed="rId8"/>
           <a:stretch>
             <a:fillRect/>
           </a:stretch>
@@ -5942,7 +5829,7 @@
           <p:nvPr/>
         </p:nvPicPr>
         <p:blipFill>
-          <a:blip r:embed="rId10"/>
+          <a:blip r:embed="rId9"/>
           <a:stretch>
             <a:fillRect/>
           </a:stretch>
@@ -6406,6 +6293,111 @@
           </a:p>
         </p:txBody>
       </p:sp>
+      <p:pic>
+        <p:nvPicPr>
+          <p:cNvPr id="6" name="Image 5">
+            <a:extLst>
+              <a:ext uri="{FF2B5EF4-FFF2-40B4-BE49-F238E27FC236}">
+                <a16:creationId xmlns:a16="http://schemas.microsoft.com/office/drawing/2014/main" id="{C6378754-8B45-48FB-919B-CC31BD90D1D5}"/>
+              </a:ext>
+            </a:extLst>
+          </p:cNvPr>
+          <p:cNvPicPr>
+            <a:picLocks noChangeAspect="1"/>
+          </p:cNvPicPr>
+          <p:nvPr/>
+        </p:nvPicPr>
+        <p:blipFill rotWithShape="1">
+          <a:blip r:embed="rId10">
+            <a:extLst>
+              <a:ext uri="{28A0092B-C50C-407E-A947-70E740481C1C}">
+                <a14:useLocalDpi xmlns:a14="http://schemas.microsoft.com/office/drawing/2010/main" val="0"/>
+              </a:ext>
+            </a:extLst>
+          </a:blip>
+          <a:srcRect t="6390" r="1536"/>
+          <a:stretch/>
+        </p:blipFill>
+        <p:spPr>
+          <a:xfrm rot="5400000">
+            <a:off x="8433196" y="3046134"/>
+            <a:ext cx="804759" cy="329239"/>
+          </a:xfrm>
+          <a:prstGeom prst="rect">
+            <a:avLst/>
+          </a:prstGeom>
+        </p:spPr>
+      </p:pic>
+      <p:pic>
+        <p:nvPicPr>
+          <p:cNvPr id="79" name="Image 78">
+            <a:extLst>
+              <a:ext uri="{FF2B5EF4-FFF2-40B4-BE49-F238E27FC236}">
+                <a16:creationId xmlns:a16="http://schemas.microsoft.com/office/drawing/2014/main" id="{7FB33706-1C7C-4976-8494-B6047FEF0D99}"/>
+              </a:ext>
+            </a:extLst>
+          </p:cNvPr>
+          <p:cNvPicPr>
+            <a:picLocks noChangeAspect="1"/>
+          </p:cNvPicPr>
+          <p:nvPr/>
+        </p:nvPicPr>
+        <p:blipFill rotWithShape="1">
+          <a:blip r:embed="rId10">
+            <a:extLst>
+              <a:ext uri="{28A0092B-C50C-407E-A947-70E740481C1C}">
+                <a14:useLocalDpi xmlns:a14="http://schemas.microsoft.com/office/drawing/2010/main" val="0"/>
+              </a:ext>
+            </a:extLst>
+          </a:blip>
+          <a:srcRect t="6390" r="1536"/>
+          <a:stretch/>
+        </p:blipFill>
+        <p:spPr>
+          <a:xfrm rot="5400000">
+            <a:off x="7470083" y="3018090"/>
+            <a:ext cx="804759" cy="329239"/>
+          </a:xfrm>
+          <a:prstGeom prst="rect">
+            <a:avLst/>
+          </a:prstGeom>
+        </p:spPr>
+      </p:pic>
+      <p:pic>
+        <p:nvPicPr>
+          <p:cNvPr id="80" name="Image 79">
+            <a:extLst>
+              <a:ext uri="{FF2B5EF4-FFF2-40B4-BE49-F238E27FC236}">
+                <a16:creationId xmlns:a16="http://schemas.microsoft.com/office/drawing/2014/main" id="{8FEAE9F1-4DE0-4C6E-A64B-72385DE5E790}"/>
+              </a:ext>
+            </a:extLst>
+          </p:cNvPr>
+          <p:cNvPicPr>
+            <a:picLocks noChangeAspect="1"/>
+          </p:cNvPicPr>
+          <p:nvPr/>
+        </p:nvPicPr>
+        <p:blipFill rotWithShape="1">
+          <a:blip r:embed="rId10">
+            <a:extLst>
+              <a:ext uri="{28A0092B-C50C-407E-A947-70E740481C1C}">
+                <a14:useLocalDpi xmlns:a14="http://schemas.microsoft.com/office/drawing/2010/main" val="0"/>
+              </a:ext>
+            </a:extLst>
+          </a:blip>
+          <a:srcRect t="6390" r="1536"/>
+          <a:stretch/>
+        </p:blipFill>
+        <p:spPr>
+          <a:xfrm rot="5400000">
+            <a:off x="6748695" y="2873425"/>
+            <a:ext cx="804759" cy="329239"/>
+          </a:xfrm>
+          <a:prstGeom prst="rect">
+            <a:avLst/>
+          </a:prstGeom>
+        </p:spPr>
+      </p:pic>
     </p:spTree>
     <p:extLst>
       <p:ext uri="{BB962C8B-B14F-4D97-AF65-F5344CB8AC3E}">
@@ -7536,7 +7528,6 @@
           </p:cNvPr>
           <p:cNvCxnSpPr>
             <a:cxnSpLocks/>
-            <a:stCxn id="27" idx="0"/>
           </p:cNvCxnSpPr>
           <p:nvPr/>
         </p:nvCxnSpPr>
@@ -7809,76 +7800,6 @@
           </a:fontRef>
         </p:style>
       </p:cxnSp>
-      <p:pic>
-        <p:nvPicPr>
-          <p:cNvPr id="27" name="Image 26">
-            <a:extLst>
-              <a:ext uri="{FF2B5EF4-FFF2-40B4-BE49-F238E27FC236}">
-                <a16:creationId xmlns:a16="http://schemas.microsoft.com/office/drawing/2014/main" id="{4A4033A7-2427-42BE-83C0-20A3E136023C}"/>
-              </a:ext>
-            </a:extLst>
-          </p:cNvPr>
-          <p:cNvPicPr>
-            <a:picLocks noChangeAspect="1"/>
-          </p:cNvPicPr>
-          <p:nvPr/>
-        </p:nvPicPr>
-        <p:blipFill rotWithShape="1">
-          <a:blip r:embed="rId7">
-            <a:extLst>
-              <a:ext uri="{28A0092B-C50C-407E-A947-70E740481C1C}">
-                <a14:useLocalDpi xmlns:a14="http://schemas.microsoft.com/office/drawing/2010/main" val="0"/>
-              </a:ext>
-            </a:extLst>
-          </a:blip>
-          <a:srcRect l="4534" t="5222" r="-4215" b="5870"/>
-          <a:stretch/>
-        </p:blipFill>
-        <p:spPr>
-          <a:xfrm>
-            <a:off x="7731733" y="2844079"/>
-            <a:ext cx="225983" cy="771699"/>
-          </a:xfrm>
-          <a:prstGeom prst="rect">
-            <a:avLst/>
-          </a:prstGeom>
-        </p:spPr>
-      </p:pic>
-      <p:pic>
-        <p:nvPicPr>
-          <p:cNvPr id="85" name="Image 84">
-            <a:extLst>
-              <a:ext uri="{FF2B5EF4-FFF2-40B4-BE49-F238E27FC236}">
-                <a16:creationId xmlns:a16="http://schemas.microsoft.com/office/drawing/2014/main" id="{5A483478-6774-4FB4-885C-CBDFCFEC8271}"/>
-              </a:ext>
-            </a:extLst>
-          </p:cNvPr>
-          <p:cNvPicPr>
-            <a:picLocks noChangeAspect="1"/>
-          </p:cNvPicPr>
-          <p:nvPr/>
-        </p:nvPicPr>
-        <p:blipFill rotWithShape="1">
-          <a:blip r:embed="rId7">
-            <a:extLst>
-              <a:ext uri="{28A0092B-C50C-407E-A947-70E740481C1C}">
-                <a14:useLocalDpi xmlns:a14="http://schemas.microsoft.com/office/drawing/2010/main" val="0"/>
-              </a:ext>
-            </a:extLst>
-          </a:blip>
-          <a:srcRect l="4534" t="5222" r="-4215" b="5870"/>
-          <a:stretch/>
-        </p:blipFill>
-        <p:spPr>
-          <a:xfrm>
-            <a:off x="7037108" y="2666837"/>
-            <a:ext cx="225983" cy="771699"/>
-          </a:xfrm>
-          <a:prstGeom prst="rect">
-            <a:avLst/>
-          </a:prstGeom>
-        </p:spPr>
-      </p:pic>
       <p:cxnSp>
         <p:nvCxnSpPr>
           <p:cNvPr id="88" name="Connecteur droit 87">
@@ -7890,7 +7811,6 @@
           </p:cNvPr>
           <p:cNvCxnSpPr>
             <a:cxnSpLocks/>
-            <a:endCxn id="85" idx="0"/>
           </p:cNvCxnSpPr>
           <p:nvPr/>
         </p:nvCxnSpPr>
@@ -7934,7 +7854,6 @@
           </p:cNvPr>
           <p:cNvCxnSpPr>
             <a:cxnSpLocks/>
-            <a:endCxn id="85" idx="0"/>
           </p:cNvCxnSpPr>
           <p:nvPr/>
         </p:nvCxnSpPr>
@@ -7978,7 +7897,6 @@
           </p:cNvPr>
           <p:cNvCxnSpPr>
             <a:cxnSpLocks/>
-            <a:stCxn id="85" idx="2"/>
           </p:cNvCxnSpPr>
           <p:nvPr/>
         </p:nvCxnSpPr>
@@ -8277,7 +8195,6 @@
           </p:cNvPr>
           <p:cNvCxnSpPr>
             <a:cxnSpLocks/>
-            <a:stCxn id="108" idx="2"/>
           </p:cNvCxnSpPr>
           <p:nvPr/>
         </p:nvCxnSpPr>
@@ -8310,41 +8227,6 @@
           </a:fontRef>
         </p:style>
       </p:cxnSp>
-      <p:pic>
-        <p:nvPicPr>
-          <p:cNvPr id="108" name="Image 107">
-            <a:extLst>
-              <a:ext uri="{FF2B5EF4-FFF2-40B4-BE49-F238E27FC236}">
-                <a16:creationId xmlns:a16="http://schemas.microsoft.com/office/drawing/2014/main" id="{05FFE692-C563-4E75-818C-E3AFC5EB431B}"/>
-              </a:ext>
-            </a:extLst>
-          </p:cNvPr>
-          <p:cNvPicPr>
-            <a:picLocks noChangeAspect="1"/>
-          </p:cNvPicPr>
-          <p:nvPr/>
-        </p:nvPicPr>
-        <p:blipFill rotWithShape="1">
-          <a:blip r:embed="rId7">
-            <a:extLst>
-              <a:ext uri="{28A0092B-C50C-407E-A947-70E740481C1C}">
-                <a14:useLocalDpi xmlns:a14="http://schemas.microsoft.com/office/drawing/2010/main" val="0"/>
-              </a:ext>
-            </a:extLst>
-          </a:blip>
-          <a:srcRect l="4534" t="5222" r="-4215" b="5870"/>
-          <a:stretch/>
-        </p:blipFill>
-        <p:spPr>
-          <a:xfrm>
-            <a:off x="8718889" y="2827599"/>
-            <a:ext cx="225983" cy="771699"/>
-          </a:xfrm>
-          <a:prstGeom prst="rect">
-            <a:avLst/>
-          </a:prstGeom>
-        </p:spPr>
-      </p:pic>
       <p:cxnSp>
         <p:nvCxnSpPr>
           <p:cNvPr id="112" name="Connecteur droit 111">
@@ -8356,7 +8238,6 @@
           </p:cNvPr>
           <p:cNvCxnSpPr>
             <a:cxnSpLocks/>
-            <a:stCxn id="108" idx="0"/>
           </p:cNvCxnSpPr>
           <p:nvPr/>
         </p:nvCxnSpPr>
@@ -8400,7 +8281,6 @@
           </p:cNvPr>
           <p:cNvCxnSpPr>
             <a:cxnSpLocks/>
-            <a:stCxn id="108" idx="0"/>
           </p:cNvCxnSpPr>
           <p:nvPr/>
         </p:nvCxnSpPr>
@@ -8448,7 +8328,7 @@
           <p:nvPr/>
         </p:nvPicPr>
         <p:blipFill>
-          <a:blip r:embed="rId8">
+          <a:blip r:embed="rId7">
             <a:clrChange>
               <a:clrFrom>
                 <a:srgbClr val="FFFFFF"/>
@@ -8840,7 +8720,7 @@
             <p:nvPr/>
           </p:nvPicPr>
           <p:blipFill>
-            <a:blip r:embed="rId9"/>
+            <a:blip r:embed="rId8"/>
             <a:stretch>
               <a:fillRect/>
             </a:stretch>
@@ -8870,7 +8750,7 @@
             <p:nvPr/>
           </p:nvPicPr>
           <p:blipFill rotWithShape="1">
-            <a:blip r:embed="rId10"/>
+            <a:blip r:embed="rId9"/>
             <a:srcRect l="19579" t="43091" r="36315" b="43004"/>
             <a:stretch/>
           </p:blipFill>
@@ -8955,7 +8835,7 @@
             <p:nvPr/>
           </p:nvPicPr>
           <p:blipFill>
-            <a:blip r:embed="rId11"/>
+            <a:blip r:embed="rId10"/>
             <a:stretch>
               <a:fillRect/>
             </a:stretch>
@@ -8985,7 +8865,7 @@
             <p:nvPr/>
           </p:nvPicPr>
           <p:blipFill rotWithShape="1">
-            <a:blip r:embed="rId10"/>
+            <a:blip r:embed="rId9"/>
             <a:srcRect l="19579" t="43091" r="36315" b="43004"/>
             <a:stretch/>
           </p:blipFill>
@@ -9526,6 +9406,111 @@
           </a:fontRef>
         </p:style>
       </p:cxnSp>
+      <p:pic>
+        <p:nvPicPr>
+          <p:cNvPr id="83" name="Image 82">
+            <a:extLst>
+              <a:ext uri="{FF2B5EF4-FFF2-40B4-BE49-F238E27FC236}">
+                <a16:creationId xmlns:a16="http://schemas.microsoft.com/office/drawing/2014/main" id="{52011BFF-6FBE-4DAD-A807-7794CC1F5B16}"/>
+              </a:ext>
+            </a:extLst>
+          </p:cNvPr>
+          <p:cNvPicPr>
+            <a:picLocks noChangeAspect="1"/>
+          </p:cNvPicPr>
+          <p:nvPr/>
+        </p:nvPicPr>
+        <p:blipFill rotWithShape="1">
+          <a:blip r:embed="rId11">
+            <a:extLst>
+              <a:ext uri="{28A0092B-C50C-407E-A947-70E740481C1C}">
+                <a14:useLocalDpi xmlns:a14="http://schemas.microsoft.com/office/drawing/2010/main" val="0"/>
+              </a:ext>
+            </a:extLst>
+          </a:blip>
+          <a:srcRect t="6390" r="1536"/>
+          <a:stretch/>
+        </p:blipFill>
+        <p:spPr>
+          <a:xfrm rot="5400000">
+            <a:off x="8433196" y="3046134"/>
+            <a:ext cx="804759" cy="329239"/>
+          </a:xfrm>
+          <a:prstGeom prst="rect">
+            <a:avLst/>
+          </a:prstGeom>
+        </p:spPr>
+      </p:pic>
+      <p:pic>
+        <p:nvPicPr>
+          <p:cNvPr id="84" name="Image 83">
+            <a:extLst>
+              <a:ext uri="{FF2B5EF4-FFF2-40B4-BE49-F238E27FC236}">
+                <a16:creationId xmlns:a16="http://schemas.microsoft.com/office/drawing/2014/main" id="{5043DBB1-5AF1-4BCE-8AA4-6FD54C6BB1FE}"/>
+              </a:ext>
+            </a:extLst>
+          </p:cNvPr>
+          <p:cNvPicPr>
+            <a:picLocks noChangeAspect="1"/>
+          </p:cNvPicPr>
+          <p:nvPr/>
+        </p:nvPicPr>
+        <p:blipFill rotWithShape="1">
+          <a:blip r:embed="rId11">
+            <a:extLst>
+              <a:ext uri="{28A0092B-C50C-407E-A947-70E740481C1C}">
+                <a14:useLocalDpi xmlns:a14="http://schemas.microsoft.com/office/drawing/2010/main" val="0"/>
+              </a:ext>
+            </a:extLst>
+          </a:blip>
+          <a:srcRect t="6390" r="1536"/>
+          <a:stretch/>
+        </p:blipFill>
+        <p:spPr>
+          <a:xfrm rot="5400000">
+            <a:off x="7470083" y="3018090"/>
+            <a:ext cx="804759" cy="329239"/>
+          </a:xfrm>
+          <a:prstGeom prst="rect">
+            <a:avLst/>
+          </a:prstGeom>
+        </p:spPr>
+      </p:pic>
+      <p:pic>
+        <p:nvPicPr>
+          <p:cNvPr id="86" name="Image 85">
+            <a:extLst>
+              <a:ext uri="{FF2B5EF4-FFF2-40B4-BE49-F238E27FC236}">
+                <a16:creationId xmlns:a16="http://schemas.microsoft.com/office/drawing/2014/main" id="{909296B2-C2DA-4DFE-8977-BCC3E539F77C}"/>
+              </a:ext>
+            </a:extLst>
+          </p:cNvPr>
+          <p:cNvPicPr>
+            <a:picLocks noChangeAspect="1"/>
+          </p:cNvPicPr>
+          <p:nvPr/>
+        </p:nvPicPr>
+        <p:blipFill rotWithShape="1">
+          <a:blip r:embed="rId11">
+            <a:extLst>
+              <a:ext uri="{28A0092B-C50C-407E-A947-70E740481C1C}">
+                <a14:useLocalDpi xmlns:a14="http://schemas.microsoft.com/office/drawing/2010/main" val="0"/>
+              </a:ext>
+            </a:extLst>
+          </a:blip>
+          <a:srcRect t="6390" r="1536"/>
+          <a:stretch/>
+        </p:blipFill>
+        <p:spPr>
+          <a:xfrm rot="5400000">
+            <a:off x="6748695" y="2873425"/>
+            <a:ext cx="804759" cy="329239"/>
+          </a:xfrm>
+          <a:prstGeom prst="rect">
+            <a:avLst/>
+          </a:prstGeom>
+        </p:spPr>
+      </p:pic>
     </p:spTree>
     <p:extLst>
       <p:ext uri="{BB962C8B-B14F-4D97-AF65-F5344CB8AC3E}">
